--- a/ppt/ppt4.pptx
+++ b/ppt/ppt4.pptx
@@ -13,9 +13,8 @@
     <p:sldId id="277" r:id="rId7"/>
     <p:sldId id="278" r:id="rId8"/>
     <p:sldId id="279" r:id="rId9"/>
-    <p:sldId id="280" r:id="rId10"/>
-    <p:sldId id="281" r:id="rId11"/>
-    <p:sldId id="283" r:id="rId12"/>
+    <p:sldId id="281" r:id="rId10"/>
+    <p:sldId id="283" r:id="rId11"/>
   </p:sldIdLst>
   <p:sldSz cx="12192000" cy="6858000"/>
   <p:notesSz cx="6858000" cy="9144000"/>
@@ -114,6 +113,11 @@
       </a:defRPr>
     </a:lvl9pPr>
   </p:defaultTextStyle>
+  <p:extLst>
+    <p:ext uri="{EFAFB233-063F-42B5-8137-9DF3F51BA10A}">
+      <p15:sldGuideLst xmlns:p15="http://schemas.microsoft.com/office/powerpoint/2012/main"/>
+    </p:ext>
+  </p:extLst>
 </p:presentation>
 </file>
 
@@ -3552,389 +3556,6 @@
       </p:grpSpPr>
       <p:sp>
         <p:nvSpPr>
-          <p:cNvPr id="23" name="직사각형 22"/>
-          <p:cNvSpPr/>
-          <p:nvPr/>
-        </p:nvSpPr>
-        <p:spPr>
-          <a:xfrm>
-            <a:off x="0" y="0"/>
-            <a:ext cx="12192000" cy="6858000"/>
-          </a:xfrm>
-          <a:prstGeom prst="rect">
-            <a:avLst/>
-          </a:prstGeom>
-          <a:noFill/>
-        </p:spPr>
-        <p:style>
-          <a:lnRef idx="2">
-            <a:schemeClr val="accent1">
-              <a:shade val="50000"/>
-            </a:schemeClr>
-          </a:lnRef>
-          <a:fillRef idx="1">
-            <a:schemeClr val="accent1"/>
-          </a:fillRef>
-          <a:effectRef idx="0">
-            <a:schemeClr val="accent1"/>
-          </a:effectRef>
-          <a:fontRef idx="minor">
-            <a:schemeClr val="lt1"/>
-          </a:fontRef>
-        </p:style>
-        <p:txBody>
-          <a:bodyPr rtlCol="0" anchor="ctr"/>
-          <a:lstStyle/>
-          <a:p>
-            <a:pPr algn="ctr"/>
-            <a:endParaRPr lang="ko-KR" altLang="en-US" sz="2400"/>
-          </a:p>
-        </p:txBody>
-      </p:sp>
-      <p:sp>
-        <p:nvSpPr>
-          <p:cNvPr id="21" name="직사각형 20">
-            <a:extLst>
-              <a:ext uri="{FF2B5EF4-FFF2-40B4-BE49-F238E27FC236}">
-                <a16:creationId xmlns:a16="http://schemas.microsoft.com/office/drawing/2014/main" id="{6349D942-6366-4DE1-A3D4-1A11FDFC5A9E}"/>
-              </a:ext>
-            </a:extLst>
-          </p:cNvPr>
-          <p:cNvSpPr/>
-          <p:nvPr/>
-        </p:nvSpPr>
-        <p:spPr>
-          <a:xfrm>
-            <a:off x="-1418730" y="574615"/>
-            <a:ext cx="7514730" cy="646331"/>
-          </a:xfrm>
-          <a:prstGeom prst="rect">
-            <a:avLst/>
-          </a:prstGeom>
-        </p:spPr>
-        <p:txBody>
-          <a:bodyPr wrap="square">
-            <a:spAutoFit/>
-          </a:bodyPr>
-          <a:lstStyle/>
-          <a:p>
-            <a:pPr algn="ctr"/>
-            <a:r>
-              <a:rPr lang="ko-KR" altLang="en-US" sz="3600" b="1" dirty="0">
-                <a:solidFill>
-                  <a:srgbClr val="8369D0"/>
-                </a:solidFill>
-                <a:latin typeface="KT&amp;"/>
-              </a:rPr>
-              <a:t>향후 계획</a:t>
-            </a:r>
-            <a:endParaRPr lang="en-US" altLang="ko-KR" sz="3600" dirty="0">
-              <a:solidFill>
-                <a:schemeClr val="bg1">
-                  <a:lumMod val="50000"/>
-                </a:schemeClr>
-              </a:solidFill>
-              <a:latin typeface="KT&amp;"/>
-            </a:endParaRPr>
-          </a:p>
-        </p:txBody>
-      </p:sp>
-      <p:pic>
-        <p:nvPicPr>
-          <p:cNvPr id="2" name="그림 1">
-            <a:extLst>
-              <a:ext uri="{FF2B5EF4-FFF2-40B4-BE49-F238E27FC236}">
-                <a16:creationId xmlns:a16="http://schemas.microsoft.com/office/drawing/2014/main" id="{8780CDE1-962A-4DB1-A337-60AF40949C26}"/>
-              </a:ext>
-            </a:extLst>
-          </p:cNvPr>
-          <p:cNvPicPr>
-            <a:picLocks noChangeAspect="1"/>
-          </p:cNvPicPr>
-          <p:nvPr/>
-        </p:nvPicPr>
-        <p:blipFill>
-          <a:blip r:embed="rId2"/>
-          <a:stretch>
-            <a:fillRect/>
-          </a:stretch>
-        </p:blipFill>
-        <p:spPr>
-          <a:xfrm>
-            <a:off x="895351" y="1503204"/>
-            <a:ext cx="4991100" cy="3524250"/>
-          </a:xfrm>
-          <a:prstGeom prst="rect">
-            <a:avLst/>
-          </a:prstGeom>
-        </p:spPr>
-      </p:pic>
-      <p:sp>
-        <p:nvSpPr>
-          <p:cNvPr id="6" name="직사각형 5">
-            <a:extLst>
-              <a:ext uri="{FF2B5EF4-FFF2-40B4-BE49-F238E27FC236}">
-                <a16:creationId xmlns:a16="http://schemas.microsoft.com/office/drawing/2014/main" id="{F6D00C8A-B3F3-45AB-8927-C1FFAC08E2D9}"/>
-              </a:ext>
-            </a:extLst>
-          </p:cNvPr>
-          <p:cNvSpPr/>
-          <p:nvPr/>
-        </p:nvSpPr>
-        <p:spPr>
-          <a:xfrm>
-            <a:off x="6305551" y="2514737"/>
-            <a:ext cx="6798436" cy="2308324"/>
-          </a:xfrm>
-          <a:prstGeom prst="rect">
-            <a:avLst/>
-          </a:prstGeom>
-        </p:spPr>
-        <p:txBody>
-          <a:bodyPr wrap="square">
-            <a:spAutoFit/>
-          </a:bodyPr>
-          <a:lstStyle/>
-          <a:p>
-            <a:pPr marL="342900" indent="-342900">
-              <a:buFontTx/>
-              <a:buChar char="-"/>
-            </a:pPr>
-            <a:r>
-              <a:rPr lang="ko-KR" altLang="en-US" sz="2400" b="1" dirty="0">
-                <a:solidFill>
-                  <a:schemeClr val="bg1">
-                    <a:lumMod val="65000"/>
-                  </a:schemeClr>
-                </a:solidFill>
-              </a:rPr>
-              <a:t>이동 시간이 </a:t>
-            </a:r>
-            <a:r>
-              <a:rPr lang="en-US" altLang="ko-KR" sz="2400" b="1" dirty="0">
-                <a:solidFill>
-                  <a:schemeClr val="bg1">
-                    <a:lumMod val="65000"/>
-                  </a:schemeClr>
-                </a:solidFill>
-              </a:rPr>
-              <a:t>n</a:t>
-            </a:r>
-            <a:r>
-              <a:rPr lang="ko-KR" altLang="en-US" sz="2400" b="1" dirty="0">
-                <a:solidFill>
-                  <a:schemeClr val="bg1">
-                    <a:lumMod val="65000"/>
-                  </a:schemeClr>
-                </a:solidFill>
-              </a:rPr>
-              <a:t>분 밖의 </a:t>
-            </a:r>
-            <a:r>
-              <a:rPr lang="en-US" altLang="ko-KR" sz="2400" b="1" dirty="0">
-                <a:solidFill>
-                  <a:schemeClr val="bg1">
-                    <a:lumMod val="65000"/>
-                  </a:schemeClr>
-                </a:solidFill>
-              </a:rPr>
-              <a:t>node</a:t>
-            </a:r>
-            <a:r>
-              <a:rPr lang="ko-KR" altLang="en-US" sz="2400" b="1" dirty="0">
-                <a:solidFill>
-                  <a:schemeClr val="bg1">
-                    <a:lumMod val="65000"/>
-                  </a:schemeClr>
-                </a:solidFill>
-              </a:rPr>
-              <a:t>는 </a:t>
-            </a:r>
-            <a:endParaRPr lang="en-US" altLang="ko-KR" sz="2400" b="1" dirty="0">
-              <a:solidFill>
-                <a:schemeClr val="bg1">
-                  <a:lumMod val="65000"/>
-                </a:schemeClr>
-              </a:solidFill>
-            </a:endParaRPr>
-          </a:p>
-          <a:p>
-            <a:r>
-              <a:rPr lang="en-US" altLang="ko-KR" sz="2400" b="1" dirty="0">
-                <a:solidFill>
-                  <a:schemeClr val="bg1">
-                    <a:lumMod val="65000"/>
-                  </a:schemeClr>
-                </a:solidFill>
-              </a:rPr>
-              <a:t>   </a:t>
-            </a:r>
-            <a:r>
-              <a:rPr lang="ko-KR" altLang="en-US" sz="2400" b="1" dirty="0">
-                <a:solidFill>
-                  <a:schemeClr val="bg1">
-                    <a:lumMod val="65000"/>
-                  </a:schemeClr>
-                </a:solidFill>
-              </a:rPr>
-              <a:t>경로 계획에서 제거</a:t>
-            </a:r>
-            <a:endParaRPr lang="en-US" altLang="ko-KR" sz="2400" b="1" dirty="0">
-              <a:solidFill>
-                <a:schemeClr val="bg1">
-                  <a:lumMod val="65000"/>
-                </a:schemeClr>
-              </a:solidFill>
-            </a:endParaRPr>
-          </a:p>
-          <a:p>
-            <a:endParaRPr lang="en-US" altLang="ko-KR" sz="2400" b="1" dirty="0">
-              <a:solidFill>
-                <a:schemeClr val="bg1">
-                  <a:lumMod val="65000"/>
-                </a:schemeClr>
-              </a:solidFill>
-            </a:endParaRPr>
-          </a:p>
-          <a:p>
-            <a:pPr marL="342900" indent="-342900">
-              <a:buFontTx/>
-              <a:buChar char="-"/>
-            </a:pPr>
-            <a:r>
-              <a:rPr lang="ko-KR" altLang="en-US" sz="2400" b="1" dirty="0">
-                <a:solidFill>
-                  <a:schemeClr val="bg1">
-                    <a:lumMod val="65000"/>
-                  </a:schemeClr>
-                </a:solidFill>
-              </a:rPr>
-              <a:t>더 많은 </a:t>
-            </a:r>
-            <a:r>
-              <a:rPr lang="en-US" altLang="ko-KR" sz="2400" b="1" dirty="0">
-                <a:solidFill>
-                  <a:schemeClr val="bg1">
-                    <a:lumMod val="65000"/>
-                  </a:schemeClr>
-                </a:solidFill>
-              </a:rPr>
-              <a:t>node</a:t>
-            </a:r>
-            <a:r>
-              <a:rPr lang="ko-KR" altLang="en-US" sz="2400" b="1" dirty="0">
-                <a:solidFill>
-                  <a:schemeClr val="bg1">
-                    <a:lumMod val="65000"/>
-                  </a:schemeClr>
-                </a:solidFill>
-              </a:rPr>
-              <a:t>의 추가</a:t>
-            </a:r>
-            <a:endParaRPr lang="en-US" altLang="ko-KR" sz="2400" b="1" dirty="0">
-              <a:solidFill>
-                <a:schemeClr val="bg1">
-                  <a:lumMod val="65000"/>
-                </a:schemeClr>
-              </a:solidFill>
-            </a:endParaRPr>
-          </a:p>
-          <a:p>
-            <a:pPr marL="342900" indent="-342900">
-              <a:buFontTx/>
-              <a:buChar char="-"/>
-            </a:pPr>
-            <a:endParaRPr lang="en-US" altLang="ko-KR" sz="2400" b="1" dirty="0">
-              <a:solidFill>
-                <a:schemeClr val="bg1">
-                  <a:lumMod val="65000"/>
-                </a:schemeClr>
-              </a:solidFill>
-            </a:endParaRPr>
-          </a:p>
-          <a:p>
-            <a:r>
-              <a:rPr lang="en-US" altLang="ko-KR" sz="2400" b="1" dirty="0">
-                <a:solidFill>
-                  <a:schemeClr val="bg1">
-                    <a:lumMod val="65000"/>
-                  </a:schemeClr>
-                </a:solidFill>
-              </a:rPr>
-              <a:t>-  </a:t>
-            </a:r>
-            <a:r>
-              <a:rPr lang="ko-KR" altLang="en-US" sz="2400" b="1" dirty="0">
-                <a:solidFill>
-                  <a:schemeClr val="bg1">
-                    <a:lumMod val="65000"/>
-                  </a:schemeClr>
-                </a:solidFill>
-              </a:rPr>
-              <a:t>사용하기 간편한 </a:t>
-            </a:r>
-            <a:r>
-              <a:rPr lang="en-US" altLang="ko-KR" sz="2400" b="1" dirty="0">
-                <a:solidFill>
-                  <a:schemeClr val="bg1">
-                    <a:lumMod val="65000"/>
-                  </a:schemeClr>
-                </a:solidFill>
-              </a:rPr>
-              <a:t>UI </a:t>
-            </a:r>
-            <a:r>
-              <a:rPr lang="ko-KR" altLang="en-US" sz="2400" b="1" dirty="0">
-                <a:solidFill>
-                  <a:schemeClr val="bg1">
-                    <a:lumMod val="65000"/>
-                  </a:schemeClr>
-                </a:solidFill>
-              </a:rPr>
-              <a:t>구현</a:t>
-            </a:r>
-            <a:endParaRPr lang="en-US" altLang="ko-KR" sz="2400" b="1" dirty="0">
-              <a:solidFill>
-                <a:schemeClr val="bg1">
-                  <a:lumMod val="65000"/>
-                </a:schemeClr>
-              </a:solidFill>
-            </a:endParaRPr>
-          </a:p>
-        </p:txBody>
-      </p:sp>
-    </p:spTree>
-    <p:extLst>
-      <p:ext uri="{BB962C8B-B14F-4D97-AF65-F5344CB8AC3E}">
-        <p14:creationId xmlns:p14="http://schemas.microsoft.com/office/powerpoint/2010/main" val="3396095597"/>
-      </p:ext>
-    </p:extLst>
-  </p:cSld>
-  <p:clrMapOvr>
-    <a:masterClrMapping/>
-  </p:clrMapOvr>
-</p:sld>
-</file>
-
-<file path=ppt/slides/slide11.xml><?xml version="1.0" encoding="utf-8"?>
-<p:sld xmlns:a="http://schemas.openxmlformats.org/drawingml/2006/main" xmlns:r="http://schemas.openxmlformats.org/officeDocument/2006/relationships" xmlns:p="http://schemas.openxmlformats.org/presentationml/2006/main">
-  <p:cSld>
-    <p:spTree>
-      <p:nvGrpSpPr>
-        <p:cNvPr id="1" name=""/>
-        <p:cNvGrpSpPr/>
-        <p:nvPr/>
-      </p:nvGrpSpPr>
-      <p:grpSpPr>
-        <a:xfrm>
-          <a:off x="0" y="0"/>
-          <a:ext cx="0" cy="0"/>
-          <a:chOff x="0" y="0"/>
-          <a:chExt cx="0" cy="0"/>
-        </a:xfrm>
-      </p:grpSpPr>
-      <p:sp>
-        <p:nvSpPr>
           <p:cNvPr id="6" name="TextBox 5"/>
           <p:cNvSpPr txBox="1"/>
           <p:nvPr/>
@@ -5775,7 +5396,7 @@
         </p:blipFill>
         <p:spPr>
           <a:xfrm>
-            <a:off x="1314450" y="2112804"/>
+            <a:off x="895351" y="1503204"/>
             <a:ext cx="4991100" cy="3524250"/>
           </a:xfrm>
           <a:prstGeom prst="rect">
@@ -5797,8 +5418,8 @@
         </p:nvSpPr>
         <p:spPr>
           <a:xfrm>
-            <a:off x="6305550" y="3013501"/>
-            <a:ext cx="6798436" cy="830997"/>
+            <a:off x="6305551" y="2514737"/>
+            <a:ext cx="6798436" cy="2308324"/>
           </a:xfrm>
           <a:prstGeom prst="rect">
             <a:avLst/>
@@ -5901,12 +5522,126 @@
               </a:solidFill>
             </a:endParaRPr>
           </a:p>
+          <a:p>
+            <a:endParaRPr lang="en-US" altLang="ko-KR" sz="2400" b="1" dirty="0">
+              <a:solidFill>
+                <a:schemeClr val="bg1">
+                  <a:lumMod val="65000"/>
+                </a:schemeClr>
+              </a:solidFill>
+            </a:endParaRPr>
+          </a:p>
+          <a:p>
+            <a:pPr marL="342900" indent="-342900">
+              <a:buFontTx/>
+              <a:buChar char="-"/>
+            </a:pPr>
+            <a:r>
+              <a:rPr lang="ko-KR" altLang="en-US" sz="2400" b="1" dirty="0">
+                <a:solidFill>
+                  <a:schemeClr val="bg1">
+                    <a:lumMod val="65000"/>
+                  </a:schemeClr>
+                </a:solidFill>
+              </a:rPr>
+              <a:t>더 많은 </a:t>
+            </a:r>
+            <a:r>
+              <a:rPr lang="en-US" altLang="ko-KR" sz="2400" b="1" dirty="0">
+                <a:solidFill>
+                  <a:schemeClr val="bg1">
+                    <a:lumMod val="65000"/>
+                  </a:schemeClr>
+                </a:solidFill>
+              </a:rPr>
+              <a:t>node</a:t>
+            </a:r>
+            <a:r>
+              <a:rPr lang="ko-KR" altLang="en-US" sz="2400" b="1" dirty="0">
+                <a:solidFill>
+                  <a:schemeClr val="bg1">
+                    <a:lumMod val="65000"/>
+                  </a:schemeClr>
+                </a:solidFill>
+              </a:rPr>
+              <a:t>의 추가</a:t>
+            </a:r>
+            <a:endParaRPr lang="en-US" altLang="ko-KR" sz="2400" b="1" dirty="0">
+              <a:solidFill>
+                <a:schemeClr val="bg1">
+                  <a:lumMod val="65000"/>
+                </a:schemeClr>
+              </a:solidFill>
+            </a:endParaRPr>
+          </a:p>
+          <a:p>
+            <a:pPr marL="342900" indent="-342900">
+              <a:buFontTx/>
+              <a:buChar char="-"/>
+            </a:pPr>
+            <a:endParaRPr lang="en-US" altLang="ko-KR" sz="2400" b="1" dirty="0">
+              <a:solidFill>
+                <a:schemeClr val="bg1">
+                  <a:lumMod val="65000"/>
+                </a:schemeClr>
+              </a:solidFill>
+            </a:endParaRPr>
+          </a:p>
+          <a:p>
+            <a:r>
+              <a:rPr lang="en-US" altLang="ko-KR" sz="2400" b="1" dirty="0">
+                <a:solidFill>
+                  <a:schemeClr val="bg1">
+                    <a:lumMod val="65000"/>
+                  </a:schemeClr>
+                </a:solidFill>
+              </a:rPr>
+              <a:t>-  </a:t>
+            </a:r>
+            <a:r>
+              <a:rPr lang="ko-KR" altLang="en-US" sz="2400" b="1" dirty="0">
+                <a:solidFill>
+                  <a:schemeClr val="bg1">
+                    <a:lumMod val="65000"/>
+                  </a:schemeClr>
+                </a:solidFill>
+              </a:rPr>
+              <a:t>사용하기 간편한 </a:t>
+            </a:r>
+            <a:r>
+              <a:rPr lang="en-US" altLang="ko-KR" sz="2400" b="1" dirty="0">
+                <a:solidFill>
+                  <a:schemeClr val="bg1">
+                    <a:lumMod val="65000"/>
+                  </a:schemeClr>
+                </a:solidFill>
+              </a:rPr>
+              <a:t>UI </a:t>
+            </a:r>
+            <a:r>
+              <a:rPr lang="ko-KR" altLang="en-US" sz="2400" b="1" dirty="0">
+                <a:solidFill>
+                  <a:schemeClr val="bg1">
+                    <a:lumMod val="65000"/>
+                  </a:schemeClr>
+                </a:solidFill>
+              </a:rPr>
+              <a:t>구현</a:t>
+            </a:r>
+            <a:endParaRPr lang="en-US" altLang="ko-KR" sz="2400" b="1" dirty="0">
+              <a:solidFill>
+                <a:schemeClr val="bg1">
+                  <a:lumMod val="65000"/>
+                </a:schemeClr>
+              </a:solidFill>
+            </a:endParaRPr>
+          </a:p>
         </p:txBody>
       </p:sp>
     </p:spTree>
     <p:extLst>
       <p:ext uri="{BB962C8B-B14F-4D97-AF65-F5344CB8AC3E}">
-        <p14:creationId xmlns:p14="http://schemas.microsoft.com/office/powerpoint/2010/main" val="1893962861"/>
+        <p14:creationId xmlns:p14="http://schemas.microsoft.com/office/powerpoint/2010/main" val="3396095597"/>
       </p:ext>
     </p:extLst>
   </p:cSld>
